--- a/第5章 激光SLAM的前端配准方法 Ⅱ/attachments/高斯牛顿法坐标变换.pptx
+++ b/第5章 激光SLAM的前端配准方法 Ⅱ/attachments/高斯牛顿法坐标变换.pptx
@@ -197,7 +197,7 @@
           <a:p>
             <a:fld id="{6CBE1CCF-ADE6-4C54-B7AB-9AED215DA5E8}" type="datetimeFigureOut">
               <a:rPr lang="zh-CN" altLang="en-US" smtClean="0"/>
-              <a:t>2021/10/18</a:t>
+              <a:t>2021/10/19</a:t>
             </a:fld>
             <a:endParaRPr lang="zh-CN" altLang="en-US"/>
           </a:p>
@@ -570,7 +570,7 @@
           <p:cNvPr id="2" name="标题 1">
             <a:extLst>
               <a:ext uri="{FF2B5EF4-FFF2-40B4-BE49-F238E27FC236}">
-                <a16:creationId xmlns:a16="http://schemas.microsoft.com/office/drawing/2014/main" xmlns="" id="{FA4C326B-85A6-4A14-9BC4-29762B9541B3}"/>
+                <a16:creationId xmlns:a16="http://schemas.microsoft.com/office/drawing/2014/main" id="{FA4C326B-85A6-4A14-9BC4-29762B9541B3}"/>
               </a:ext>
             </a:extLst>
           </p:cNvPr>
@@ -607,7 +607,7 @@
           <p:cNvPr id="3" name="副标题 2">
             <a:extLst>
               <a:ext uri="{FF2B5EF4-FFF2-40B4-BE49-F238E27FC236}">
-                <a16:creationId xmlns:a16="http://schemas.microsoft.com/office/drawing/2014/main" xmlns="" id="{F619A538-5B48-4C40-85A9-0EAC5D691ED4}"/>
+                <a16:creationId xmlns:a16="http://schemas.microsoft.com/office/drawing/2014/main" id="{F619A538-5B48-4C40-85A9-0EAC5D691ED4}"/>
               </a:ext>
             </a:extLst>
           </p:cNvPr>
@@ -677,7 +677,7 @@
           <p:cNvPr id="4" name="日期占位符 3">
             <a:extLst>
               <a:ext uri="{FF2B5EF4-FFF2-40B4-BE49-F238E27FC236}">
-                <a16:creationId xmlns:a16="http://schemas.microsoft.com/office/drawing/2014/main" xmlns="" id="{D463DAA5-429E-4919-99B1-5F4845021F90}"/>
+                <a16:creationId xmlns:a16="http://schemas.microsoft.com/office/drawing/2014/main" id="{D463DAA5-429E-4919-99B1-5F4845021F90}"/>
               </a:ext>
             </a:extLst>
           </p:cNvPr>
@@ -695,7 +695,7 @@
           <a:p>
             <a:fld id="{5BD15A0D-79D7-4330-A7E2-3EAF3E24F249}" type="datetimeFigureOut">
               <a:rPr lang="zh-CN" altLang="en-US" smtClean="0"/>
-              <a:t>2021/10/18</a:t>
+              <a:t>2021/10/19</a:t>
             </a:fld>
             <a:endParaRPr lang="zh-CN" altLang="en-US"/>
           </a:p>
@@ -706,7 +706,7 @@
           <p:cNvPr id="5" name="页脚占位符 4">
             <a:extLst>
               <a:ext uri="{FF2B5EF4-FFF2-40B4-BE49-F238E27FC236}">
-                <a16:creationId xmlns:a16="http://schemas.microsoft.com/office/drawing/2014/main" xmlns="" id="{401FB379-4DD8-4191-86A9-39676FE35EDB}"/>
+                <a16:creationId xmlns:a16="http://schemas.microsoft.com/office/drawing/2014/main" id="{401FB379-4DD8-4191-86A9-39676FE35EDB}"/>
               </a:ext>
             </a:extLst>
           </p:cNvPr>
@@ -731,7 +731,7 @@
           <p:cNvPr id="6" name="灯片编号占位符 5">
             <a:extLst>
               <a:ext uri="{FF2B5EF4-FFF2-40B4-BE49-F238E27FC236}">
-                <a16:creationId xmlns:a16="http://schemas.microsoft.com/office/drawing/2014/main" xmlns="" id="{350353DC-312D-4295-BEA9-DF26B0ECDE71}"/>
+                <a16:creationId xmlns:a16="http://schemas.microsoft.com/office/drawing/2014/main" id="{350353DC-312D-4295-BEA9-DF26B0ECDE71}"/>
               </a:ext>
             </a:extLst>
           </p:cNvPr>
@@ -790,7 +790,7 @@
           <p:cNvPr id="2" name="标题 1">
             <a:extLst>
               <a:ext uri="{FF2B5EF4-FFF2-40B4-BE49-F238E27FC236}">
-                <a16:creationId xmlns:a16="http://schemas.microsoft.com/office/drawing/2014/main" xmlns="" id="{F774CFE2-1B19-497C-9EE6-2BB7C331FAA3}"/>
+                <a16:creationId xmlns:a16="http://schemas.microsoft.com/office/drawing/2014/main" id="{F774CFE2-1B19-497C-9EE6-2BB7C331FAA3}"/>
               </a:ext>
             </a:extLst>
           </p:cNvPr>
@@ -818,7 +818,7 @@
           <p:cNvPr id="3" name="竖排文字占位符 2">
             <a:extLst>
               <a:ext uri="{FF2B5EF4-FFF2-40B4-BE49-F238E27FC236}">
-                <a16:creationId xmlns:a16="http://schemas.microsoft.com/office/drawing/2014/main" xmlns="" id="{055A9DDA-2BE5-4B7F-97FC-BA998B4061FD}"/>
+                <a16:creationId xmlns:a16="http://schemas.microsoft.com/office/drawing/2014/main" id="{055A9DDA-2BE5-4B7F-97FC-BA998B4061FD}"/>
               </a:ext>
             </a:extLst>
           </p:cNvPr>
@@ -875,7 +875,7 @@
           <p:cNvPr id="4" name="日期占位符 3">
             <a:extLst>
               <a:ext uri="{FF2B5EF4-FFF2-40B4-BE49-F238E27FC236}">
-                <a16:creationId xmlns:a16="http://schemas.microsoft.com/office/drawing/2014/main" xmlns="" id="{8D72BB1B-A416-412D-9C91-126AF83A7DEB}"/>
+                <a16:creationId xmlns:a16="http://schemas.microsoft.com/office/drawing/2014/main" id="{8D72BB1B-A416-412D-9C91-126AF83A7DEB}"/>
               </a:ext>
             </a:extLst>
           </p:cNvPr>
@@ -893,7 +893,7 @@
           <a:p>
             <a:fld id="{5BD15A0D-79D7-4330-A7E2-3EAF3E24F249}" type="datetimeFigureOut">
               <a:rPr lang="zh-CN" altLang="en-US" smtClean="0"/>
-              <a:t>2021/10/18</a:t>
+              <a:t>2021/10/19</a:t>
             </a:fld>
             <a:endParaRPr lang="zh-CN" altLang="en-US"/>
           </a:p>
@@ -904,7 +904,7 @@
           <p:cNvPr id="5" name="页脚占位符 4">
             <a:extLst>
               <a:ext uri="{FF2B5EF4-FFF2-40B4-BE49-F238E27FC236}">
-                <a16:creationId xmlns:a16="http://schemas.microsoft.com/office/drawing/2014/main" xmlns="" id="{9BDDCFF0-6A74-4ED8-8CD7-806C419C98AA}"/>
+                <a16:creationId xmlns:a16="http://schemas.microsoft.com/office/drawing/2014/main" id="{9BDDCFF0-6A74-4ED8-8CD7-806C419C98AA}"/>
               </a:ext>
             </a:extLst>
           </p:cNvPr>
@@ -929,7 +929,7 @@
           <p:cNvPr id="6" name="灯片编号占位符 5">
             <a:extLst>
               <a:ext uri="{FF2B5EF4-FFF2-40B4-BE49-F238E27FC236}">
-                <a16:creationId xmlns:a16="http://schemas.microsoft.com/office/drawing/2014/main" xmlns="" id="{49B46B77-06C3-4A68-9C81-0DD9499D9DA1}"/>
+                <a16:creationId xmlns:a16="http://schemas.microsoft.com/office/drawing/2014/main" id="{49B46B77-06C3-4A68-9C81-0DD9499D9DA1}"/>
               </a:ext>
             </a:extLst>
           </p:cNvPr>
@@ -988,7 +988,7 @@
           <p:cNvPr id="2" name="竖排标题 1">
             <a:extLst>
               <a:ext uri="{FF2B5EF4-FFF2-40B4-BE49-F238E27FC236}">
-                <a16:creationId xmlns:a16="http://schemas.microsoft.com/office/drawing/2014/main" xmlns="" id="{88F2C47D-BFEF-4D25-9CF3-2AF382BD8F3A}"/>
+                <a16:creationId xmlns:a16="http://schemas.microsoft.com/office/drawing/2014/main" id="{88F2C47D-BFEF-4D25-9CF3-2AF382BD8F3A}"/>
               </a:ext>
             </a:extLst>
           </p:cNvPr>
@@ -1021,7 +1021,7 @@
           <p:cNvPr id="3" name="竖排文字占位符 2">
             <a:extLst>
               <a:ext uri="{FF2B5EF4-FFF2-40B4-BE49-F238E27FC236}">
-                <a16:creationId xmlns:a16="http://schemas.microsoft.com/office/drawing/2014/main" xmlns="" id="{832A37ED-300F-49E3-8055-900FDB305291}"/>
+                <a16:creationId xmlns:a16="http://schemas.microsoft.com/office/drawing/2014/main" id="{832A37ED-300F-49E3-8055-900FDB305291}"/>
               </a:ext>
             </a:extLst>
           </p:cNvPr>
@@ -1083,7 +1083,7 @@
           <p:cNvPr id="4" name="日期占位符 3">
             <a:extLst>
               <a:ext uri="{FF2B5EF4-FFF2-40B4-BE49-F238E27FC236}">
-                <a16:creationId xmlns:a16="http://schemas.microsoft.com/office/drawing/2014/main" xmlns="" id="{D5B7A04E-15F1-4757-A31F-2FD1CEB0B451}"/>
+                <a16:creationId xmlns:a16="http://schemas.microsoft.com/office/drawing/2014/main" id="{D5B7A04E-15F1-4757-A31F-2FD1CEB0B451}"/>
               </a:ext>
             </a:extLst>
           </p:cNvPr>
@@ -1101,7 +1101,7 @@
           <a:p>
             <a:fld id="{5BD15A0D-79D7-4330-A7E2-3EAF3E24F249}" type="datetimeFigureOut">
               <a:rPr lang="zh-CN" altLang="en-US" smtClean="0"/>
-              <a:t>2021/10/18</a:t>
+              <a:t>2021/10/19</a:t>
             </a:fld>
             <a:endParaRPr lang="zh-CN" altLang="en-US"/>
           </a:p>
@@ -1112,7 +1112,7 @@
           <p:cNvPr id="5" name="页脚占位符 4">
             <a:extLst>
               <a:ext uri="{FF2B5EF4-FFF2-40B4-BE49-F238E27FC236}">
-                <a16:creationId xmlns:a16="http://schemas.microsoft.com/office/drawing/2014/main" xmlns="" id="{428B5A2F-D85D-4C97-907B-6A2A26EC3DA0}"/>
+                <a16:creationId xmlns:a16="http://schemas.microsoft.com/office/drawing/2014/main" id="{428B5A2F-D85D-4C97-907B-6A2A26EC3DA0}"/>
               </a:ext>
             </a:extLst>
           </p:cNvPr>
@@ -1137,7 +1137,7 @@
           <p:cNvPr id="6" name="灯片编号占位符 5">
             <a:extLst>
               <a:ext uri="{FF2B5EF4-FFF2-40B4-BE49-F238E27FC236}">
-                <a16:creationId xmlns:a16="http://schemas.microsoft.com/office/drawing/2014/main" xmlns="" id="{FDF1A1F4-7307-4987-B6B1-24B4C07CA224}"/>
+                <a16:creationId xmlns:a16="http://schemas.microsoft.com/office/drawing/2014/main" id="{FDF1A1F4-7307-4987-B6B1-24B4C07CA224}"/>
               </a:ext>
             </a:extLst>
           </p:cNvPr>
@@ -1196,7 +1196,7 @@
           <p:cNvPr id="2" name="标题 1">
             <a:extLst>
               <a:ext uri="{FF2B5EF4-FFF2-40B4-BE49-F238E27FC236}">
-                <a16:creationId xmlns:a16="http://schemas.microsoft.com/office/drawing/2014/main" xmlns="" id="{BE9F7211-4109-4B2B-B2C3-6A443ACFF8D9}"/>
+                <a16:creationId xmlns:a16="http://schemas.microsoft.com/office/drawing/2014/main" id="{BE9F7211-4109-4B2B-B2C3-6A443ACFF8D9}"/>
               </a:ext>
             </a:extLst>
           </p:cNvPr>
@@ -1224,7 +1224,7 @@
           <p:cNvPr id="3" name="内容占位符 2">
             <a:extLst>
               <a:ext uri="{FF2B5EF4-FFF2-40B4-BE49-F238E27FC236}">
-                <a16:creationId xmlns:a16="http://schemas.microsoft.com/office/drawing/2014/main" xmlns="" id="{A089F141-D04B-4DFE-8E6F-6833D49F8510}"/>
+                <a16:creationId xmlns:a16="http://schemas.microsoft.com/office/drawing/2014/main" id="{A089F141-D04B-4DFE-8E6F-6833D49F8510}"/>
               </a:ext>
             </a:extLst>
           </p:cNvPr>
@@ -1281,7 +1281,7 @@
           <p:cNvPr id="4" name="日期占位符 3">
             <a:extLst>
               <a:ext uri="{FF2B5EF4-FFF2-40B4-BE49-F238E27FC236}">
-                <a16:creationId xmlns:a16="http://schemas.microsoft.com/office/drawing/2014/main" xmlns="" id="{5C6E4DDB-A2B5-4F40-A7D8-13148E043ACD}"/>
+                <a16:creationId xmlns:a16="http://schemas.microsoft.com/office/drawing/2014/main" id="{5C6E4DDB-A2B5-4F40-A7D8-13148E043ACD}"/>
               </a:ext>
             </a:extLst>
           </p:cNvPr>
@@ -1299,7 +1299,7 @@
           <a:p>
             <a:fld id="{5BD15A0D-79D7-4330-A7E2-3EAF3E24F249}" type="datetimeFigureOut">
               <a:rPr lang="zh-CN" altLang="en-US" smtClean="0"/>
-              <a:t>2021/10/18</a:t>
+              <a:t>2021/10/19</a:t>
             </a:fld>
             <a:endParaRPr lang="zh-CN" altLang="en-US"/>
           </a:p>
@@ -1310,7 +1310,7 @@
           <p:cNvPr id="5" name="页脚占位符 4">
             <a:extLst>
               <a:ext uri="{FF2B5EF4-FFF2-40B4-BE49-F238E27FC236}">
-                <a16:creationId xmlns:a16="http://schemas.microsoft.com/office/drawing/2014/main" xmlns="" id="{42FE13F2-5678-43F9-9994-D46C2A2EFDBE}"/>
+                <a16:creationId xmlns:a16="http://schemas.microsoft.com/office/drawing/2014/main" id="{42FE13F2-5678-43F9-9994-D46C2A2EFDBE}"/>
               </a:ext>
             </a:extLst>
           </p:cNvPr>
@@ -1335,7 +1335,7 @@
           <p:cNvPr id="6" name="灯片编号占位符 5">
             <a:extLst>
               <a:ext uri="{FF2B5EF4-FFF2-40B4-BE49-F238E27FC236}">
-                <a16:creationId xmlns:a16="http://schemas.microsoft.com/office/drawing/2014/main" xmlns="" id="{E9BC5881-4EC1-4E43-A5D3-FE6C939B861E}"/>
+                <a16:creationId xmlns:a16="http://schemas.microsoft.com/office/drawing/2014/main" id="{E9BC5881-4EC1-4E43-A5D3-FE6C939B861E}"/>
               </a:ext>
             </a:extLst>
           </p:cNvPr>
@@ -1394,7 +1394,7 @@
           <p:cNvPr id="2" name="标题 1">
             <a:extLst>
               <a:ext uri="{FF2B5EF4-FFF2-40B4-BE49-F238E27FC236}">
-                <a16:creationId xmlns:a16="http://schemas.microsoft.com/office/drawing/2014/main" xmlns="" id="{D78278CB-4DD5-4643-92C9-9F50BF2A711F}"/>
+                <a16:creationId xmlns:a16="http://schemas.microsoft.com/office/drawing/2014/main" id="{D78278CB-4DD5-4643-92C9-9F50BF2A711F}"/>
               </a:ext>
             </a:extLst>
           </p:cNvPr>
@@ -1431,7 +1431,7 @@
           <p:cNvPr id="3" name="文本占位符 2">
             <a:extLst>
               <a:ext uri="{FF2B5EF4-FFF2-40B4-BE49-F238E27FC236}">
-                <a16:creationId xmlns:a16="http://schemas.microsoft.com/office/drawing/2014/main" xmlns="" id="{068A3018-60F4-4C56-89DF-1E8910B1D4BA}"/>
+                <a16:creationId xmlns:a16="http://schemas.microsoft.com/office/drawing/2014/main" id="{068A3018-60F4-4C56-89DF-1E8910B1D4BA}"/>
               </a:ext>
             </a:extLst>
           </p:cNvPr>
@@ -1556,7 +1556,7 @@
           <p:cNvPr id="4" name="日期占位符 3">
             <a:extLst>
               <a:ext uri="{FF2B5EF4-FFF2-40B4-BE49-F238E27FC236}">
-                <a16:creationId xmlns:a16="http://schemas.microsoft.com/office/drawing/2014/main" xmlns="" id="{410D2D81-FD23-4C41-806D-C950914BF0B4}"/>
+                <a16:creationId xmlns:a16="http://schemas.microsoft.com/office/drawing/2014/main" id="{410D2D81-FD23-4C41-806D-C950914BF0B4}"/>
               </a:ext>
             </a:extLst>
           </p:cNvPr>
@@ -1574,7 +1574,7 @@
           <a:p>
             <a:fld id="{5BD15A0D-79D7-4330-A7E2-3EAF3E24F249}" type="datetimeFigureOut">
               <a:rPr lang="zh-CN" altLang="en-US" smtClean="0"/>
-              <a:t>2021/10/18</a:t>
+              <a:t>2021/10/19</a:t>
             </a:fld>
             <a:endParaRPr lang="zh-CN" altLang="en-US"/>
           </a:p>
@@ -1585,7 +1585,7 @@
           <p:cNvPr id="5" name="页脚占位符 4">
             <a:extLst>
               <a:ext uri="{FF2B5EF4-FFF2-40B4-BE49-F238E27FC236}">
-                <a16:creationId xmlns:a16="http://schemas.microsoft.com/office/drawing/2014/main" xmlns="" id="{FEE5B1B5-8C02-4494-9704-A8A0EC9C8BD1}"/>
+                <a16:creationId xmlns:a16="http://schemas.microsoft.com/office/drawing/2014/main" id="{FEE5B1B5-8C02-4494-9704-A8A0EC9C8BD1}"/>
               </a:ext>
             </a:extLst>
           </p:cNvPr>
@@ -1610,7 +1610,7 @@
           <p:cNvPr id="6" name="灯片编号占位符 5">
             <a:extLst>
               <a:ext uri="{FF2B5EF4-FFF2-40B4-BE49-F238E27FC236}">
-                <a16:creationId xmlns:a16="http://schemas.microsoft.com/office/drawing/2014/main" xmlns="" id="{F751380E-4CDF-42A8-83E1-0EFD3720E432}"/>
+                <a16:creationId xmlns:a16="http://schemas.microsoft.com/office/drawing/2014/main" id="{F751380E-4CDF-42A8-83E1-0EFD3720E432}"/>
               </a:ext>
             </a:extLst>
           </p:cNvPr>
@@ -1669,7 +1669,7 @@
           <p:cNvPr id="2" name="标题 1">
             <a:extLst>
               <a:ext uri="{FF2B5EF4-FFF2-40B4-BE49-F238E27FC236}">
-                <a16:creationId xmlns:a16="http://schemas.microsoft.com/office/drawing/2014/main" xmlns="" id="{40B3220E-62FD-4335-91A1-F15C48C4FC43}"/>
+                <a16:creationId xmlns:a16="http://schemas.microsoft.com/office/drawing/2014/main" id="{40B3220E-62FD-4335-91A1-F15C48C4FC43}"/>
               </a:ext>
             </a:extLst>
           </p:cNvPr>
@@ -1697,7 +1697,7 @@
           <p:cNvPr id="3" name="内容占位符 2">
             <a:extLst>
               <a:ext uri="{FF2B5EF4-FFF2-40B4-BE49-F238E27FC236}">
-                <a16:creationId xmlns:a16="http://schemas.microsoft.com/office/drawing/2014/main" xmlns="" id="{49A0878E-CC31-4081-B7D0-7C35A0ABDD84}"/>
+                <a16:creationId xmlns:a16="http://schemas.microsoft.com/office/drawing/2014/main" id="{49A0878E-CC31-4081-B7D0-7C35A0ABDD84}"/>
               </a:ext>
             </a:extLst>
           </p:cNvPr>
@@ -1759,7 +1759,7 @@
           <p:cNvPr id="4" name="内容占位符 3">
             <a:extLst>
               <a:ext uri="{FF2B5EF4-FFF2-40B4-BE49-F238E27FC236}">
-                <a16:creationId xmlns:a16="http://schemas.microsoft.com/office/drawing/2014/main" xmlns="" id="{E339169D-6FB2-4A87-AE6E-C6173E0D8C74}"/>
+                <a16:creationId xmlns:a16="http://schemas.microsoft.com/office/drawing/2014/main" id="{E339169D-6FB2-4A87-AE6E-C6173E0D8C74}"/>
               </a:ext>
             </a:extLst>
           </p:cNvPr>
@@ -1821,7 +1821,7 @@
           <p:cNvPr id="5" name="日期占位符 4">
             <a:extLst>
               <a:ext uri="{FF2B5EF4-FFF2-40B4-BE49-F238E27FC236}">
-                <a16:creationId xmlns:a16="http://schemas.microsoft.com/office/drawing/2014/main" xmlns="" id="{308EB166-07D8-44F4-9477-DADA0D64256E}"/>
+                <a16:creationId xmlns:a16="http://schemas.microsoft.com/office/drawing/2014/main" id="{308EB166-07D8-44F4-9477-DADA0D64256E}"/>
               </a:ext>
             </a:extLst>
           </p:cNvPr>
@@ -1839,7 +1839,7 @@
           <a:p>
             <a:fld id="{5BD15A0D-79D7-4330-A7E2-3EAF3E24F249}" type="datetimeFigureOut">
               <a:rPr lang="zh-CN" altLang="en-US" smtClean="0"/>
-              <a:t>2021/10/18</a:t>
+              <a:t>2021/10/19</a:t>
             </a:fld>
             <a:endParaRPr lang="zh-CN" altLang="en-US"/>
           </a:p>
@@ -1850,7 +1850,7 @@
           <p:cNvPr id="6" name="页脚占位符 5">
             <a:extLst>
               <a:ext uri="{FF2B5EF4-FFF2-40B4-BE49-F238E27FC236}">
-                <a16:creationId xmlns:a16="http://schemas.microsoft.com/office/drawing/2014/main" xmlns="" id="{0484FF73-291B-47E0-9C1C-63CCB98CD07B}"/>
+                <a16:creationId xmlns:a16="http://schemas.microsoft.com/office/drawing/2014/main" id="{0484FF73-291B-47E0-9C1C-63CCB98CD07B}"/>
               </a:ext>
             </a:extLst>
           </p:cNvPr>
@@ -1875,7 +1875,7 @@
           <p:cNvPr id="7" name="灯片编号占位符 6">
             <a:extLst>
               <a:ext uri="{FF2B5EF4-FFF2-40B4-BE49-F238E27FC236}">
-                <a16:creationId xmlns:a16="http://schemas.microsoft.com/office/drawing/2014/main" xmlns="" id="{4B7CB3BD-6972-432D-BF20-1014A6CC6ACF}"/>
+                <a16:creationId xmlns:a16="http://schemas.microsoft.com/office/drawing/2014/main" id="{4B7CB3BD-6972-432D-BF20-1014A6CC6ACF}"/>
               </a:ext>
             </a:extLst>
           </p:cNvPr>
@@ -1934,7 +1934,7 @@
           <p:cNvPr id="2" name="标题 1">
             <a:extLst>
               <a:ext uri="{FF2B5EF4-FFF2-40B4-BE49-F238E27FC236}">
-                <a16:creationId xmlns:a16="http://schemas.microsoft.com/office/drawing/2014/main" xmlns="" id="{8840BA1F-AD6E-4457-9BC1-4D8B6F7BFCCA}"/>
+                <a16:creationId xmlns:a16="http://schemas.microsoft.com/office/drawing/2014/main" id="{8840BA1F-AD6E-4457-9BC1-4D8B6F7BFCCA}"/>
               </a:ext>
             </a:extLst>
           </p:cNvPr>
@@ -1967,7 +1967,7 @@
           <p:cNvPr id="3" name="文本占位符 2">
             <a:extLst>
               <a:ext uri="{FF2B5EF4-FFF2-40B4-BE49-F238E27FC236}">
-                <a16:creationId xmlns:a16="http://schemas.microsoft.com/office/drawing/2014/main" xmlns="" id="{54CA0234-369D-456E-828D-33E5D40C89A3}"/>
+                <a16:creationId xmlns:a16="http://schemas.microsoft.com/office/drawing/2014/main" id="{54CA0234-369D-456E-828D-33E5D40C89A3}"/>
               </a:ext>
             </a:extLst>
           </p:cNvPr>
@@ -2038,7 +2038,7 @@
           <p:cNvPr id="4" name="内容占位符 3">
             <a:extLst>
               <a:ext uri="{FF2B5EF4-FFF2-40B4-BE49-F238E27FC236}">
-                <a16:creationId xmlns:a16="http://schemas.microsoft.com/office/drawing/2014/main" xmlns="" id="{EA9B2330-8147-42AF-8BE3-11CBEA6E0747}"/>
+                <a16:creationId xmlns:a16="http://schemas.microsoft.com/office/drawing/2014/main" id="{EA9B2330-8147-42AF-8BE3-11CBEA6E0747}"/>
               </a:ext>
             </a:extLst>
           </p:cNvPr>
@@ -2100,7 +2100,7 @@
           <p:cNvPr id="5" name="文本占位符 4">
             <a:extLst>
               <a:ext uri="{FF2B5EF4-FFF2-40B4-BE49-F238E27FC236}">
-                <a16:creationId xmlns:a16="http://schemas.microsoft.com/office/drawing/2014/main" xmlns="" id="{59C894B6-8633-41B6-8525-A73C4338FD6E}"/>
+                <a16:creationId xmlns:a16="http://schemas.microsoft.com/office/drawing/2014/main" id="{59C894B6-8633-41B6-8525-A73C4338FD6E}"/>
               </a:ext>
             </a:extLst>
           </p:cNvPr>
@@ -2171,7 +2171,7 @@
           <p:cNvPr id="6" name="内容占位符 5">
             <a:extLst>
               <a:ext uri="{FF2B5EF4-FFF2-40B4-BE49-F238E27FC236}">
-                <a16:creationId xmlns:a16="http://schemas.microsoft.com/office/drawing/2014/main" xmlns="" id="{5775E864-80B2-4410-94E3-6B6523E2A9FC}"/>
+                <a16:creationId xmlns:a16="http://schemas.microsoft.com/office/drawing/2014/main" id="{5775E864-80B2-4410-94E3-6B6523E2A9FC}"/>
               </a:ext>
             </a:extLst>
           </p:cNvPr>
@@ -2233,7 +2233,7 @@
           <p:cNvPr id="7" name="日期占位符 6">
             <a:extLst>
               <a:ext uri="{FF2B5EF4-FFF2-40B4-BE49-F238E27FC236}">
-                <a16:creationId xmlns:a16="http://schemas.microsoft.com/office/drawing/2014/main" xmlns="" id="{45F5C55B-BAB5-4A54-80E4-27219B6AC5FF}"/>
+                <a16:creationId xmlns:a16="http://schemas.microsoft.com/office/drawing/2014/main" id="{45F5C55B-BAB5-4A54-80E4-27219B6AC5FF}"/>
               </a:ext>
             </a:extLst>
           </p:cNvPr>
@@ -2251,7 +2251,7 @@
           <a:p>
             <a:fld id="{5BD15A0D-79D7-4330-A7E2-3EAF3E24F249}" type="datetimeFigureOut">
               <a:rPr lang="zh-CN" altLang="en-US" smtClean="0"/>
-              <a:t>2021/10/18</a:t>
+              <a:t>2021/10/19</a:t>
             </a:fld>
             <a:endParaRPr lang="zh-CN" altLang="en-US"/>
           </a:p>
@@ -2262,7 +2262,7 @@
           <p:cNvPr id="8" name="页脚占位符 7">
             <a:extLst>
               <a:ext uri="{FF2B5EF4-FFF2-40B4-BE49-F238E27FC236}">
-                <a16:creationId xmlns:a16="http://schemas.microsoft.com/office/drawing/2014/main" xmlns="" id="{D7C7406F-80CD-4E57-AF6E-2754C4E44130}"/>
+                <a16:creationId xmlns:a16="http://schemas.microsoft.com/office/drawing/2014/main" id="{D7C7406F-80CD-4E57-AF6E-2754C4E44130}"/>
               </a:ext>
             </a:extLst>
           </p:cNvPr>
@@ -2287,7 +2287,7 @@
           <p:cNvPr id="9" name="灯片编号占位符 8">
             <a:extLst>
               <a:ext uri="{FF2B5EF4-FFF2-40B4-BE49-F238E27FC236}">
-                <a16:creationId xmlns:a16="http://schemas.microsoft.com/office/drawing/2014/main" xmlns="" id="{6EBBD542-51BD-403F-A893-4120F19B6BC1}"/>
+                <a16:creationId xmlns:a16="http://schemas.microsoft.com/office/drawing/2014/main" id="{6EBBD542-51BD-403F-A893-4120F19B6BC1}"/>
               </a:ext>
             </a:extLst>
           </p:cNvPr>
@@ -2346,7 +2346,7 @@
           <p:cNvPr id="2" name="标题 1">
             <a:extLst>
               <a:ext uri="{FF2B5EF4-FFF2-40B4-BE49-F238E27FC236}">
-                <a16:creationId xmlns:a16="http://schemas.microsoft.com/office/drawing/2014/main" xmlns="" id="{79183712-73C6-4265-9834-2DA4C8F459CA}"/>
+                <a16:creationId xmlns:a16="http://schemas.microsoft.com/office/drawing/2014/main" id="{79183712-73C6-4265-9834-2DA4C8F459CA}"/>
               </a:ext>
             </a:extLst>
           </p:cNvPr>
@@ -2374,7 +2374,7 @@
           <p:cNvPr id="3" name="日期占位符 2">
             <a:extLst>
               <a:ext uri="{FF2B5EF4-FFF2-40B4-BE49-F238E27FC236}">
-                <a16:creationId xmlns:a16="http://schemas.microsoft.com/office/drawing/2014/main" xmlns="" id="{DA7C7DE5-7C4B-4591-B934-14D2DECE2F02}"/>
+                <a16:creationId xmlns:a16="http://schemas.microsoft.com/office/drawing/2014/main" id="{DA7C7DE5-7C4B-4591-B934-14D2DECE2F02}"/>
               </a:ext>
             </a:extLst>
           </p:cNvPr>
@@ -2392,7 +2392,7 @@
           <a:p>
             <a:fld id="{5BD15A0D-79D7-4330-A7E2-3EAF3E24F249}" type="datetimeFigureOut">
               <a:rPr lang="zh-CN" altLang="en-US" smtClean="0"/>
-              <a:t>2021/10/18</a:t>
+              <a:t>2021/10/19</a:t>
             </a:fld>
             <a:endParaRPr lang="zh-CN" altLang="en-US"/>
           </a:p>
@@ -2403,7 +2403,7 @@
           <p:cNvPr id="4" name="页脚占位符 3">
             <a:extLst>
               <a:ext uri="{FF2B5EF4-FFF2-40B4-BE49-F238E27FC236}">
-                <a16:creationId xmlns:a16="http://schemas.microsoft.com/office/drawing/2014/main" xmlns="" id="{6B4B8AB2-591D-43DC-A0AB-CD788751D1FE}"/>
+                <a16:creationId xmlns:a16="http://schemas.microsoft.com/office/drawing/2014/main" id="{6B4B8AB2-591D-43DC-A0AB-CD788751D1FE}"/>
               </a:ext>
             </a:extLst>
           </p:cNvPr>
@@ -2428,7 +2428,7 @@
           <p:cNvPr id="5" name="灯片编号占位符 4">
             <a:extLst>
               <a:ext uri="{FF2B5EF4-FFF2-40B4-BE49-F238E27FC236}">
-                <a16:creationId xmlns:a16="http://schemas.microsoft.com/office/drawing/2014/main" xmlns="" id="{A79A1293-CC90-4D92-8EA2-E4ED7D2012F7}"/>
+                <a16:creationId xmlns:a16="http://schemas.microsoft.com/office/drawing/2014/main" id="{A79A1293-CC90-4D92-8EA2-E4ED7D2012F7}"/>
               </a:ext>
             </a:extLst>
           </p:cNvPr>
@@ -2487,7 +2487,7 @@
           <p:cNvPr id="2" name="日期占位符 1">
             <a:extLst>
               <a:ext uri="{FF2B5EF4-FFF2-40B4-BE49-F238E27FC236}">
-                <a16:creationId xmlns:a16="http://schemas.microsoft.com/office/drawing/2014/main" xmlns="" id="{45690C7E-EE7F-406D-9543-4D1623206A70}"/>
+                <a16:creationId xmlns:a16="http://schemas.microsoft.com/office/drawing/2014/main" id="{45690C7E-EE7F-406D-9543-4D1623206A70}"/>
               </a:ext>
             </a:extLst>
           </p:cNvPr>
@@ -2505,7 +2505,7 @@
           <a:p>
             <a:fld id="{5BD15A0D-79D7-4330-A7E2-3EAF3E24F249}" type="datetimeFigureOut">
               <a:rPr lang="zh-CN" altLang="en-US" smtClean="0"/>
-              <a:t>2021/10/18</a:t>
+              <a:t>2021/10/19</a:t>
             </a:fld>
             <a:endParaRPr lang="zh-CN" altLang="en-US"/>
           </a:p>
@@ -2516,7 +2516,7 @@
           <p:cNvPr id="3" name="页脚占位符 2">
             <a:extLst>
               <a:ext uri="{FF2B5EF4-FFF2-40B4-BE49-F238E27FC236}">
-                <a16:creationId xmlns:a16="http://schemas.microsoft.com/office/drawing/2014/main" xmlns="" id="{E827989B-0DC1-4E4F-B657-B38FDD822754}"/>
+                <a16:creationId xmlns:a16="http://schemas.microsoft.com/office/drawing/2014/main" id="{E827989B-0DC1-4E4F-B657-B38FDD822754}"/>
               </a:ext>
             </a:extLst>
           </p:cNvPr>
@@ -2541,7 +2541,7 @@
           <p:cNvPr id="4" name="灯片编号占位符 3">
             <a:extLst>
               <a:ext uri="{FF2B5EF4-FFF2-40B4-BE49-F238E27FC236}">
-                <a16:creationId xmlns:a16="http://schemas.microsoft.com/office/drawing/2014/main" xmlns="" id="{7F11DA82-C979-4036-8A29-5C2823B299F7}"/>
+                <a16:creationId xmlns:a16="http://schemas.microsoft.com/office/drawing/2014/main" id="{7F11DA82-C979-4036-8A29-5C2823B299F7}"/>
               </a:ext>
             </a:extLst>
           </p:cNvPr>
@@ -2600,7 +2600,7 @@
           <p:cNvPr id="2" name="标题 1">
             <a:extLst>
               <a:ext uri="{FF2B5EF4-FFF2-40B4-BE49-F238E27FC236}">
-                <a16:creationId xmlns:a16="http://schemas.microsoft.com/office/drawing/2014/main" xmlns="" id="{7E5FE00D-BF6C-4EA0-A3F5-05BAD7A87147}"/>
+                <a16:creationId xmlns:a16="http://schemas.microsoft.com/office/drawing/2014/main" id="{7E5FE00D-BF6C-4EA0-A3F5-05BAD7A87147}"/>
               </a:ext>
             </a:extLst>
           </p:cNvPr>
@@ -2637,7 +2637,7 @@
           <p:cNvPr id="3" name="内容占位符 2">
             <a:extLst>
               <a:ext uri="{FF2B5EF4-FFF2-40B4-BE49-F238E27FC236}">
-                <a16:creationId xmlns:a16="http://schemas.microsoft.com/office/drawing/2014/main" xmlns="" id="{69A637A4-400B-4549-9C6D-0B88EEA183A9}"/>
+                <a16:creationId xmlns:a16="http://schemas.microsoft.com/office/drawing/2014/main" id="{69A637A4-400B-4549-9C6D-0B88EEA183A9}"/>
               </a:ext>
             </a:extLst>
           </p:cNvPr>
@@ -2727,7 +2727,7 @@
           <p:cNvPr id="4" name="文本占位符 3">
             <a:extLst>
               <a:ext uri="{FF2B5EF4-FFF2-40B4-BE49-F238E27FC236}">
-                <a16:creationId xmlns:a16="http://schemas.microsoft.com/office/drawing/2014/main" xmlns="" id="{6E1DE2F1-DB20-47E0-B5B4-8F437CDC9DE9}"/>
+                <a16:creationId xmlns:a16="http://schemas.microsoft.com/office/drawing/2014/main" id="{6E1DE2F1-DB20-47E0-B5B4-8F437CDC9DE9}"/>
               </a:ext>
             </a:extLst>
           </p:cNvPr>
@@ -2798,7 +2798,7 @@
           <p:cNvPr id="5" name="日期占位符 4">
             <a:extLst>
               <a:ext uri="{FF2B5EF4-FFF2-40B4-BE49-F238E27FC236}">
-                <a16:creationId xmlns:a16="http://schemas.microsoft.com/office/drawing/2014/main" xmlns="" id="{E8A4CCCD-2812-4892-B8A0-D9679E9F0109}"/>
+                <a16:creationId xmlns:a16="http://schemas.microsoft.com/office/drawing/2014/main" id="{E8A4CCCD-2812-4892-B8A0-D9679E9F0109}"/>
               </a:ext>
             </a:extLst>
           </p:cNvPr>
@@ -2816,7 +2816,7 @@
           <a:p>
             <a:fld id="{5BD15A0D-79D7-4330-A7E2-3EAF3E24F249}" type="datetimeFigureOut">
               <a:rPr lang="zh-CN" altLang="en-US" smtClean="0"/>
-              <a:t>2021/10/18</a:t>
+              <a:t>2021/10/19</a:t>
             </a:fld>
             <a:endParaRPr lang="zh-CN" altLang="en-US"/>
           </a:p>
@@ -2827,7 +2827,7 @@
           <p:cNvPr id="6" name="页脚占位符 5">
             <a:extLst>
               <a:ext uri="{FF2B5EF4-FFF2-40B4-BE49-F238E27FC236}">
-                <a16:creationId xmlns:a16="http://schemas.microsoft.com/office/drawing/2014/main" xmlns="" id="{14907125-235A-443F-B59D-FC6707DE888F}"/>
+                <a16:creationId xmlns:a16="http://schemas.microsoft.com/office/drawing/2014/main" id="{14907125-235A-443F-B59D-FC6707DE888F}"/>
               </a:ext>
             </a:extLst>
           </p:cNvPr>
@@ -2852,7 +2852,7 @@
           <p:cNvPr id="7" name="灯片编号占位符 6">
             <a:extLst>
               <a:ext uri="{FF2B5EF4-FFF2-40B4-BE49-F238E27FC236}">
-                <a16:creationId xmlns:a16="http://schemas.microsoft.com/office/drawing/2014/main" xmlns="" id="{B4D93378-F50A-45BF-9468-649F4D0E116B}"/>
+                <a16:creationId xmlns:a16="http://schemas.microsoft.com/office/drawing/2014/main" id="{B4D93378-F50A-45BF-9468-649F4D0E116B}"/>
               </a:ext>
             </a:extLst>
           </p:cNvPr>
@@ -2911,7 +2911,7 @@
           <p:cNvPr id="2" name="标题 1">
             <a:extLst>
               <a:ext uri="{FF2B5EF4-FFF2-40B4-BE49-F238E27FC236}">
-                <a16:creationId xmlns:a16="http://schemas.microsoft.com/office/drawing/2014/main" xmlns="" id="{9E374DC6-4819-49BF-8902-4A5C729C4F13}"/>
+                <a16:creationId xmlns:a16="http://schemas.microsoft.com/office/drawing/2014/main" id="{9E374DC6-4819-49BF-8902-4A5C729C4F13}"/>
               </a:ext>
             </a:extLst>
           </p:cNvPr>
@@ -2948,7 +2948,7 @@
           <p:cNvPr id="3" name="图片占位符 2">
             <a:extLst>
               <a:ext uri="{FF2B5EF4-FFF2-40B4-BE49-F238E27FC236}">
-                <a16:creationId xmlns:a16="http://schemas.microsoft.com/office/drawing/2014/main" xmlns="" id="{B4B08C03-427A-4314-BBA1-41AEE58CEC6E}"/>
+                <a16:creationId xmlns:a16="http://schemas.microsoft.com/office/drawing/2014/main" id="{B4B08C03-427A-4314-BBA1-41AEE58CEC6E}"/>
               </a:ext>
             </a:extLst>
           </p:cNvPr>
@@ -3015,7 +3015,7 @@
           <p:cNvPr id="4" name="文本占位符 3">
             <a:extLst>
               <a:ext uri="{FF2B5EF4-FFF2-40B4-BE49-F238E27FC236}">
-                <a16:creationId xmlns:a16="http://schemas.microsoft.com/office/drawing/2014/main" xmlns="" id="{7A0D9D90-1A6F-4FBF-AF8F-F3AD4BB32102}"/>
+                <a16:creationId xmlns:a16="http://schemas.microsoft.com/office/drawing/2014/main" id="{7A0D9D90-1A6F-4FBF-AF8F-F3AD4BB32102}"/>
               </a:ext>
             </a:extLst>
           </p:cNvPr>
@@ -3086,7 +3086,7 @@
           <p:cNvPr id="5" name="日期占位符 4">
             <a:extLst>
               <a:ext uri="{FF2B5EF4-FFF2-40B4-BE49-F238E27FC236}">
-                <a16:creationId xmlns:a16="http://schemas.microsoft.com/office/drawing/2014/main" xmlns="" id="{D5AD2F5E-9563-40B3-8B6A-FE9E76784ED7}"/>
+                <a16:creationId xmlns:a16="http://schemas.microsoft.com/office/drawing/2014/main" id="{D5AD2F5E-9563-40B3-8B6A-FE9E76784ED7}"/>
               </a:ext>
             </a:extLst>
           </p:cNvPr>
@@ -3104,7 +3104,7 @@
           <a:p>
             <a:fld id="{5BD15A0D-79D7-4330-A7E2-3EAF3E24F249}" type="datetimeFigureOut">
               <a:rPr lang="zh-CN" altLang="en-US" smtClean="0"/>
-              <a:t>2021/10/18</a:t>
+              <a:t>2021/10/19</a:t>
             </a:fld>
             <a:endParaRPr lang="zh-CN" altLang="en-US"/>
           </a:p>
@@ -3115,7 +3115,7 @@
           <p:cNvPr id="6" name="页脚占位符 5">
             <a:extLst>
               <a:ext uri="{FF2B5EF4-FFF2-40B4-BE49-F238E27FC236}">
-                <a16:creationId xmlns:a16="http://schemas.microsoft.com/office/drawing/2014/main" xmlns="" id="{4A38D113-0216-4501-BDD0-39F09B154910}"/>
+                <a16:creationId xmlns:a16="http://schemas.microsoft.com/office/drawing/2014/main" id="{4A38D113-0216-4501-BDD0-39F09B154910}"/>
               </a:ext>
             </a:extLst>
           </p:cNvPr>
@@ -3140,7 +3140,7 @@
           <p:cNvPr id="7" name="灯片编号占位符 6">
             <a:extLst>
               <a:ext uri="{FF2B5EF4-FFF2-40B4-BE49-F238E27FC236}">
-                <a16:creationId xmlns:a16="http://schemas.microsoft.com/office/drawing/2014/main" xmlns="" id="{28FF353F-D27A-4D75-809C-A47A21161067}"/>
+                <a16:creationId xmlns:a16="http://schemas.microsoft.com/office/drawing/2014/main" id="{28FF353F-D27A-4D75-809C-A47A21161067}"/>
               </a:ext>
             </a:extLst>
           </p:cNvPr>
@@ -3204,7 +3204,7 @@
           <p:cNvPr id="2" name="标题占位符 1">
             <a:extLst>
               <a:ext uri="{FF2B5EF4-FFF2-40B4-BE49-F238E27FC236}">
-                <a16:creationId xmlns:a16="http://schemas.microsoft.com/office/drawing/2014/main" xmlns="" id="{A14E9B20-C8A2-4063-B699-2E8F7A43D6A5}"/>
+                <a16:creationId xmlns:a16="http://schemas.microsoft.com/office/drawing/2014/main" id="{A14E9B20-C8A2-4063-B699-2E8F7A43D6A5}"/>
               </a:ext>
             </a:extLst>
           </p:cNvPr>
@@ -3242,7 +3242,7 @@
           <p:cNvPr id="3" name="文本占位符 2">
             <a:extLst>
               <a:ext uri="{FF2B5EF4-FFF2-40B4-BE49-F238E27FC236}">
-                <a16:creationId xmlns:a16="http://schemas.microsoft.com/office/drawing/2014/main" xmlns="" id="{060943FE-6776-4B64-8998-22DFB838102D}"/>
+                <a16:creationId xmlns:a16="http://schemas.microsoft.com/office/drawing/2014/main" id="{060943FE-6776-4B64-8998-22DFB838102D}"/>
               </a:ext>
             </a:extLst>
           </p:cNvPr>
@@ -3309,7 +3309,7 @@
           <p:cNvPr id="4" name="日期占位符 3">
             <a:extLst>
               <a:ext uri="{FF2B5EF4-FFF2-40B4-BE49-F238E27FC236}">
-                <a16:creationId xmlns:a16="http://schemas.microsoft.com/office/drawing/2014/main" xmlns="" id="{A0F39B86-1A0F-473C-BA46-F0CE9E35CEF4}"/>
+                <a16:creationId xmlns:a16="http://schemas.microsoft.com/office/drawing/2014/main" id="{A0F39B86-1A0F-473C-BA46-F0CE9E35CEF4}"/>
               </a:ext>
             </a:extLst>
           </p:cNvPr>
@@ -3345,7 +3345,7 @@
           <a:p>
             <a:fld id="{5BD15A0D-79D7-4330-A7E2-3EAF3E24F249}" type="datetimeFigureOut">
               <a:rPr lang="zh-CN" altLang="en-US" smtClean="0"/>
-              <a:t>2021/10/18</a:t>
+              <a:t>2021/10/19</a:t>
             </a:fld>
             <a:endParaRPr lang="zh-CN" altLang="en-US"/>
           </a:p>
@@ -3356,7 +3356,7 @@
           <p:cNvPr id="5" name="页脚占位符 4">
             <a:extLst>
               <a:ext uri="{FF2B5EF4-FFF2-40B4-BE49-F238E27FC236}">
-                <a16:creationId xmlns:a16="http://schemas.microsoft.com/office/drawing/2014/main" xmlns="" id="{8A9FECDF-6344-441A-85AB-08EEECFFFDD5}"/>
+                <a16:creationId xmlns:a16="http://schemas.microsoft.com/office/drawing/2014/main" id="{8A9FECDF-6344-441A-85AB-08EEECFFFDD5}"/>
               </a:ext>
             </a:extLst>
           </p:cNvPr>
@@ -3399,7 +3399,7 @@
           <p:cNvPr id="6" name="灯片编号占位符 5">
             <a:extLst>
               <a:ext uri="{FF2B5EF4-FFF2-40B4-BE49-F238E27FC236}">
-                <a16:creationId xmlns:a16="http://schemas.microsoft.com/office/drawing/2014/main" xmlns="" id="{C6DB10C4-EB23-4D79-B05B-9949019887E2}"/>
+                <a16:creationId xmlns:a16="http://schemas.microsoft.com/office/drawing/2014/main" id="{C6DB10C4-EB23-4D79-B05B-9949019887E2}"/>
               </a:ext>
             </a:extLst>
           </p:cNvPr>
@@ -3767,7 +3767,7 @@
           <p:cNvPr id="5" name="直接箭头连接符 4">
             <a:extLst>
               <a:ext uri="{FF2B5EF4-FFF2-40B4-BE49-F238E27FC236}">
-                <a16:creationId xmlns:a16="http://schemas.microsoft.com/office/drawing/2014/main" xmlns="" id="{0A21EB62-E529-47CD-9743-85ADC8C29916}"/>
+                <a16:creationId xmlns:a16="http://schemas.microsoft.com/office/drawing/2014/main" id="{0A21EB62-E529-47CD-9743-85ADC8C29916}"/>
               </a:ext>
             </a:extLst>
           </p:cNvPr>
@@ -3808,7 +3808,7 @@
           <p:cNvPr id="10" name="直接箭头连接符 9">
             <a:extLst>
               <a:ext uri="{FF2B5EF4-FFF2-40B4-BE49-F238E27FC236}">
-                <a16:creationId xmlns:a16="http://schemas.microsoft.com/office/drawing/2014/main" xmlns="" id="{42C470B3-98E2-435D-B6B5-677E6D05D0D6}"/>
+                <a16:creationId xmlns:a16="http://schemas.microsoft.com/office/drawing/2014/main" id="{42C470B3-98E2-435D-B6B5-677E6D05D0D6}"/>
               </a:ext>
             </a:extLst>
           </p:cNvPr>
@@ -3849,7 +3849,7 @@
           <p:cNvPr id="4" name="文本框 3">
             <a:extLst>
               <a:ext uri="{FF2B5EF4-FFF2-40B4-BE49-F238E27FC236}">
-                <a16:creationId xmlns:a16="http://schemas.microsoft.com/office/drawing/2014/main" xmlns="" id="{DF3513EF-1A54-448D-A760-B51869A25418}"/>
+                <a16:creationId xmlns:a16="http://schemas.microsoft.com/office/drawing/2014/main" id="{DF3513EF-1A54-448D-A760-B51869A25418}"/>
               </a:ext>
             </a:extLst>
           </p:cNvPr>
@@ -3880,14 +3880,14 @@
           </a:p>
         </p:txBody>
       </p:sp>
-      <mc:AlternateContent xmlns:mc="http://schemas.openxmlformats.org/markup-compatibility/2006">
-        <mc:Choice xmlns:a14="http://schemas.microsoft.com/office/drawing/2010/main" Requires="a14">
+      <mc:AlternateContent xmlns:mc="http://schemas.openxmlformats.org/markup-compatibility/2006" xmlns:a14="http://schemas.microsoft.com/office/drawing/2010/main">
+        <mc:Choice Requires="a14">
           <p:sp>
             <p:nvSpPr>
               <p:cNvPr id="11" name="文本框 10">
                 <a:extLst>
                   <a:ext uri="{FF2B5EF4-FFF2-40B4-BE49-F238E27FC236}">
-                    <a16:creationId xmlns:a16="http://schemas.microsoft.com/office/drawing/2014/main" xmlns="" id="{6EBA3021-359E-474F-98B3-A4B499BB8204}"/>
+                    <a16:creationId xmlns:a16="http://schemas.microsoft.com/office/drawing/2014/main" id="{6EBA3021-359E-474F-98B3-A4B499BB8204}"/>
                   </a:ext>
                 </a:extLst>
               </p:cNvPr>
@@ -3944,7 +3944,7 @@
             </p:txBody>
           </p:sp>
         </mc:Choice>
-        <mc:Fallback>
+        <mc:Fallback xmlns="">
           <p:sp>
             <p:nvSpPr>
               <p:cNvPr id="11" name="文本框 10">
@@ -3994,7 +3994,7 @@
           <p:cNvPr id="24" name="直接箭头连接符 23">
             <a:extLst>
               <a:ext uri="{FF2B5EF4-FFF2-40B4-BE49-F238E27FC236}">
-                <a16:creationId xmlns:a16="http://schemas.microsoft.com/office/drawing/2014/main" xmlns="" id="{333AD4B1-9EA0-4883-AF4D-7ECCB28C2A90}"/>
+                <a16:creationId xmlns:a16="http://schemas.microsoft.com/office/drawing/2014/main" id="{333AD4B1-9EA0-4883-AF4D-7ECCB28C2A90}"/>
               </a:ext>
             </a:extLst>
           </p:cNvPr>
@@ -4035,7 +4035,7 @@
           <p:cNvPr id="25" name="直接箭头连接符 24">
             <a:extLst>
               <a:ext uri="{FF2B5EF4-FFF2-40B4-BE49-F238E27FC236}">
-                <a16:creationId xmlns:a16="http://schemas.microsoft.com/office/drawing/2014/main" xmlns="" id="{2646659A-08AB-4AE7-A8B6-C186811E03F8}"/>
+                <a16:creationId xmlns:a16="http://schemas.microsoft.com/office/drawing/2014/main" id="{2646659A-08AB-4AE7-A8B6-C186811E03F8}"/>
               </a:ext>
             </a:extLst>
           </p:cNvPr>
@@ -4071,14 +4071,14 @@
           </a:fontRef>
         </p:style>
       </p:cxnSp>
-      <mc:AlternateContent xmlns:mc="http://schemas.openxmlformats.org/markup-compatibility/2006">
-        <mc:Choice xmlns:a14="http://schemas.microsoft.com/office/drawing/2010/main" Requires="a14">
+      <mc:AlternateContent xmlns:mc="http://schemas.openxmlformats.org/markup-compatibility/2006" xmlns:a14="http://schemas.microsoft.com/office/drawing/2010/main">
+        <mc:Choice Requires="a14">
           <p:sp>
             <p:nvSpPr>
               <p:cNvPr id="29" name="文本框 28">
                 <a:extLst>
                   <a:ext uri="{FF2B5EF4-FFF2-40B4-BE49-F238E27FC236}">
-                    <a16:creationId xmlns:a16="http://schemas.microsoft.com/office/drawing/2014/main" xmlns="" id="{627610CF-4EDF-477F-BE99-D70417BA4E5A}"/>
+                    <a16:creationId xmlns:a16="http://schemas.microsoft.com/office/drawing/2014/main" id="{627610CF-4EDF-477F-BE99-D70417BA4E5A}"/>
                   </a:ext>
                 </a:extLst>
               </p:cNvPr>
@@ -4135,7 +4135,7 @@
             </p:txBody>
           </p:sp>
         </mc:Choice>
-        <mc:Fallback>
+        <mc:Fallback xmlns="">
           <p:sp>
             <p:nvSpPr>
               <p:cNvPr id="29" name="文本框 28">
@@ -4185,7 +4185,7 @@
           <p:cNvPr id="43" name="直接箭头连接符 42">
             <a:extLst>
               <a:ext uri="{FF2B5EF4-FFF2-40B4-BE49-F238E27FC236}">
-                <a16:creationId xmlns:a16="http://schemas.microsoft.com/office/drawing/2014/main" xmlns="" id="{CF8D88BC-E3D3-42EB-9B68-2727903CE6B7}"/>
+                <a16:creationId xmlns:a16="http://schemas.microsoft.com/office/drawing/2014/main" id="{CF8D88BC-E3D3-42EB-9B68-2727903CE6B7}"/>
               </a:ext>
             </a:extLst>
           </p:cNvPr>
@@ -4224,7 +4224,7 @@
           <p:cNvPr id="17" name="直接箭头连接符 16">
             <a:extLst>
               <a:ext uri="{FF2B5EF4-FFF2-40B4-BE49-F238E27FC236}">
-                <a16:creationId xmlns:a16="http://schemas.microsoft.com/office/drawing/2014/main" xmlns="" id="{83BBAE16-8F9F-4CD8-B82F-A7EC105ECB7A}"/>
+                <a16:creationId xmlns:a16="http://schemas.microsoft.com/office/drawing/2014/main" id="{83BBAE16-8F9F-4CD8-B82F-A7EC105ECB7A}"/>
               </a:ext>
             </a:extLst>
           </p:cNvPr>
@@ -4265,7 +4265,7 @@
           <p:cNvPr id="28" name="直接箭头连接符 27">
             <a:extLst>
               <a:ext uri="{FF2B5EF4-FFF2-40B4-BE49-F238E27FC236}">
-                <a16:creationId xmlns:a16="http://schemas.microsoft.com/office/drawing/2014/main" xmlns="" id="{CF8829EE-001C-44EF-AAC8-25AF15F3B261}"/>
+                <a16:creationId xmlns:a16="http://schemas.microsoft.com/office/drawing/2014/main" id="{CF8829EE-001C-44EF-AAC8-25AF15F3B261}"/>
               </a:ext>
             </a:extLst>
           </p:cNvPr>
@@ -4306,7 +4306,7 @@
           <p:cNvPr id="30" name="直接箭头连接符 29">
             <a:extLst>
               <a:ext uri="{FF2B5EF4-FFF2-40B4-BE49-F238E27FC236}">
-                <a16:creationId xmlns:a16="http://schemas.microsoft.com/office/drawing/2014/main" xmlns="" id="{E678B0EA-46D9-4F45-9103-AE19D26C33B3}"/>
+                <a16:creationId xmlns:a16="http://schemas.microsoft.com/office/drawing/2014/main" id="{E678B0EA-46D9-4F45-9103-AE19D26C33B3}"/>
               </a:ext>
             </a:extLst>
           </p:cNvPr>
@@ -4342,14 +4342,14 @@
           </a:fontRef>
         </p:style>
       </p:cxnSp>
-      <mc:AlternateContent xmlns:mc="http://schemas.openxmlformats.org/markup-compatibility/2006">
-        <mc:Choice xmlns:a14="http://schemas.microsoft.com/office/drawing/2010/main" Requires="a14">
+      <mc:AlternateContent xmlns:mc="http://schemas.openxmlformats.org/markup-compatibility/2006" xmlns:a14="http://schemas.microsoft.com/office/drawing/2010/main">
+        <mc:Choice Requires="a14">
           <p:sp>
             <p:nvSpPr>
               <p:cNvPr id="31" name="文本框 30">
                 <a:extLst>
                   <a:ext uri="{FF2B5EF4-FFF2-40B4-BE49-F238E27FC236}">
-                    <a16:creationId xmlns:a16="http://schemas.microsoft.com/office/drawing/2014/main" xmlns="" id="{C0A27A8B-AE47-4E4D-8CC2-24572D1958C2}"/>
+                    <a16:creationId xmlns:a16="http://schemas.microsoft.com/office/drawing/2014/main" id="{C0A27A8B-AE47-4E4D-8CC2-24572D1958C2}"/>
                   </a:ext>
                 </a:extLst>
               </p:cNvPr>
@@ -4425,7 +4425,7 @@
             </p:txBody>
           </p:sp>
         </mc:Choice>
-        <mc:Fallback>
+        <mc:Fallback xmlns="">
           <p:sp>
             <p:nvSpPr>
               <p:cNvPr id="31" name="文本框 30">
@@ -4475,7 +4475,7 @@
           <p:cNvPr id="18" name="直接箭头连接符 17">
             <a:extLst>
               <a:ext uri="{FF2B5EF4-FFF2-40B4-BE49-F238E27FC236}">
-                <a16:creationId xmlns:a16="http://schemas.microsoft.com/office/drawing/2014/main" xmlns="" id="{3724A22F-86A9-4BEC-BC57-2969C577FA44}"/>
+                <a16:creationId xmlns:a16="http://schemas.microsoft.com/office/drawing/2014/main" id="{3724A22F-86A9-4BEC-BC57-2969C577FA44}"/>
               </a:ext>
             </a:extLst>
           </p:cNvPr>
@@ -4516,7 +4516,7 @@
           <p:cNvPr id="19" name="直接箭头连接符 18">
             <a:extLst>
               <a:ext uri="{FF2B5EF4-FFF2-40B4-BE49-F238E27FC236}">
-                <a16:creationId xmlns:a16="http://schemas.microsoft.com/office/drawing/2014/main" xmlns="" id="{CF8829EE-001C-44EF-AAC8-25AF15F3B261}"/>
+                <a16:creationId xmlns:a16="http://schemas.microsoft.com/office/drawing/2014/main" id="{CF8829EE-001C-44EF-AAC8-25AF15F3B261}"/>
               </a:ext>
             </a:extLst>
           </p:cNvPr>
@@ -4557,7 +4557,7 @@
           <p:cNvPr id="20" name="直接箭头连接符 19">
             <a:extLst>
               <a:ext uri="{FF2B5EF4-FFF2-40B4-BE49-F238E27FC236}">
-                <a16:creationId xmlns:a16="http://schemas.microsoft.com/office/drawing/2014/main" xmlns="" id="{E678B0EA-46D9-4F45-9103-AE19D26C33B3}"/>
+                <a16:creationId xmlns:a16="http://schemas.microsoft.com/office/drawing/2014/main" id="{E678B0EA-46D9-4F45-9103-AE19D26C33B3}"/>
               </a:ext>
             </a:extLst>
           </p:cNvPr>
@@ -4600,7 +4600,7 @@
               <p:cNvPr id="21" name="文本框 20">
                 <a:extLst>
                   <a:ext uri="{FF2B5EF4-FFF2-40B4-BE49-F238E27FC236}">
-                    <a16:creationId xmlns:a16="http://schemas.microsoft.com/office/drawing/2014/main" xmlns="" id="{C0A27A8B-AE47-4E4D-8CC2-24572D1958C2}"/>
+                    <a16:creationId xmlns:a16="http://schemas.microsoft.com/office/drawing/2014/main" id="{C0A27A8B-AE47-4E4D-8CC2-24572D1958C2}"/>
                   </a:ext>
                 </a:extLst>
               </p:cNvPr>
@@ -4609,8 +4609,8 @@
             </p:nvSpPr>
             <p:spPr>
               <a:xfrm rot="21080151">
-                <a:off x="3074822" y="1912345"/>
-                <a:ext cx="690830" cy="276999"/>
+                <a:off x="3109928" y="1912345"/>
+                <a:ext cx="620618" cy="276999"/>
               </a:xfrm>
               <a:prstGeom prst="rect">
                 <a:avLst/>
@@ -4665,10 +4665,16 @@
                                 <m:t>𝑡</m:t>
                               </m:r>
                               <m:r>
+                                <a:rPr lang="en-US" altLang="zh-CN" i="1">
+                                  <a:latin typeface="Cambria Math" panose="02040503050406030204" pitchFamily="18" charset="0"/>
+                                </a:rPr>
+                                <m:t>-</m:t>
+                              </m:r>
+                              <m:r>
                                 <a:rPr lang="en-US" altLang="zh-CN" b="0" i="1" smtClean="0">
                                   <a:latin typeface="Cambria Math" panose="02040503050406030204" pitchFamily="18" charset="0"/>
                                 </a:rPr>
-                                <m:t>+1</m:t>
+                                <m:t>1</m:t>
                               </m:r>
                             </m:sub>
                           </m:sSub>
@@ -4688,7 +4694,7 @@
               <p:cNvPr id="21" name="文本框 20">
                 <a:extLst>
                   <a:ext uri="{FF2B5EF4-FFF2-40B4-BE49-F238E27FC236}">
-                    <a16:creationId xmlns:a16="http://schemas.microsoft.com/office/drawing/2014/main" xmlns:a14="http://schemas.microsoft.com/office/drawing/2010/main" xmlns="" id="{C0A27A8B-AE47-4E4D-8CC2-24572D1958C2}"/>
+                    <a16:creationId xmlns:a16="http://schemas.microsoft.com/office/drawing/2014/main" id="{C0A27A8B-AE47-4E4D-8CC2-24572D1958C2}"/>
                   </a:ext>
                 </a:extLst>
               </p:cNvPr>
@@ -4699,16 +4705,16 @@
             </p:nvSpPr>
             <p:spPr>
               <a:xfrm rot="21080151">
-                <a:off x="3074822" y="1912345"/>
-                <a:ext cx="690830" cy="276999"/>
+                <a:off x="3109928" y="1912345"/>
+                <a:ext cx="620618" cy="276999"/>
               </a:xfrm>
               <a:prstGeom prst="rect">
                 <a:avLst/>
               </a:prstGeom>
-              <a:blipFill rotWithShape="0">
+              <a:blipFill>
                 <a:blip r:embed="rId6"/>
                 <a:stretch>
-                  <a:fillRect b="-1587"/>
+                  <a:fillRect b="-3279"/>
                 </a:stretch>
               </a:blipFill>
             </p:spPr>
